--- a/READ_ME_International resource of literary bibliographic metadata.pptx
+++ b/READ_ME_International resource of literary bibliographic metadata.pptx
@@ -273,6 +273,11 @@
       </a:defRPr>
     </a:lvl9pPr>
   </p:defaultTextStyle>
+  <p:extLst>
+    <p:ext uri="{EFAFB233-063F-42B5-8137-9DF3F51BA10A}">
+      <p15:sldGuideLst xmlns:p15="http://schemas.microsoft.com/office/powerpoint/2012/main"/>
+    </p:ext>
+  </p:extLst>
 </p:presentation>
 </file>
 
@@ -1006,8 +1011,8 @@
         </p:nvSpPr>
         <p:spPr>
           <a:xfrm>
-            <a:off x="1184225" y="767575"/>
-            <a:ext cx="4736400" cy="3837900"/>
+            <a:off x="142875" y="768350"/>
+            <a:ext cx="6819900" cy="3836988"/>
           </a:xfrm>
           <a:custGeom>
             <a:avLst/>
@@ -15624,8 +15629,8 @@
         </p:nvSpPr>
         <p:spPr>
           <a:xfrm>
-            <a:off x="249598" y="2051550"/>
-            <a:ext cx="11340300" cy="1007700"/>
+            <a:off x="546962" y="1266420"/>
+            <a:ext cx="9380810" cy="3838979"/>
           </a:xfrm>
           <a:prstGeom prst="rect">
             <a:avLst/>
@@ -15641,7 +15646,7 @@
           </a:bodyPr>
           <a:lstStyle/>
           <a:p>
-            <a:pPr marL="254000" lvl="0" indent="-152400" algn="ctr" rtl="0">
+            <a:pPr marL="101600" lvl="0" rtl="0">
               <a:lnSpc>
                 <a:spcPct val="90000"/>
               </a:lnSpc>
@@ -15651,10 +15656,9 @@
               <a:spcAft>
                 <a:spcPts val="0"/>
               </a:spcAft>
-              <a:buNone/>
             </a:pPr>
             <a:r>
-              <a:rPr lang="pl-PL" sz="4300">
+              <a:rPr lang="en-US" sz="2400" dirty="0">
                 <a:solidFill>
                   <a:srgbClr val="313A59"/>
                 </a:solidFill>
@@ -15663,9 +15667,57 @@
                 <a:cs typeface="Arimo"/>
                 <a:sym typeface="Arimo"/>
               </a:rPr>
-              <a:t>Dziękuję</a:t>
+              <a:t>Where to Find Our</a:t>
             </a:r>
-            <a:endParaRPr sz="4300">
+            <a:r>
+              <a:rPr lang="pl-PL" sz="2400" dirty="0">
+                <a:solidFill>
+                  <a:srgbClr val="313A59"/>
+                </a:solidFill>
+                <a:latin typeface="Arimo"/>
+                <a:ea typeface="Arimo"/>
+                <a:cs typeface="Arimo"/>
+                <a:sym typeface="Arimo"/>
+              </a:rPr>
+              <a:t> </a:t>
+            </a:r>
+            <a:r>
+              <a:rPr lang="pl-PL" sz="2400">
+                <a:solidFill>
+                  <a:srgbClr val="313A59"/>
+                </a:solidFill>
+                <a:latin typeface="Arimo"/>
+                <a:ea typeface="Arimo"/>
+                <a:cs typeface="Arimo"/>
+                <a:sym typeface="Arimo"/>
+              </a:rPr>
+              <a:t>full</a:t>
+            </a:r>
+            <a:r>
+              <a:rPr lang="en-US" sz="2400">
+                <a:solidFill>
+                  <a:srgbClr val="313A59"/>
+                </a:solidFill>
+                <a:latin typeface="Arimo"/>
+                <a:ea typeface="Arimo"/>
+                <a:cs typeface="Arimo"/>
+                <a:sym typeface="Arimo"/>
+              </a:rPr>
+              <a:t> </a:t>
+            </a:r>
+            <a:r>
+              <a:rPr lang="en-US" sz="2400" dirty="0">
+                <a:solidFill>
+                  <a:srgbClr val="313A59"/>
+                </a:solidFill>
+                <a:latin typeface="Arimo"/>
+                <a:ea typeface="Arimo"/>
+                <a:cs typeface="Arimo"/>
+                <a:sym typeface="Arimo"/>
+              </a:rPr>
+              <a:t>Collections</a:t>
+            </a:r>
+            <a:endParaRPr lang="pl-PL" sz="2400" dirty="0">
               <a:solidFill>
                 <a:srgbClr val="313A59"/>
               </a:solidFill>
@@ -15675,57 +15727,251 @@
               <a:sym typeface="Arimo"/>
             </a:endParaRPr>
           </a:p>
-        </p:txBody>
-      </p:sp>
-      <p:sp>
-        <p:nvSpPr>
-          <p:cNvPr id="219" name="Google Shape;219;p27"/>
-          <p:cNvSpPr txBox="1"/>
-          <p:nvPr/>
-        </p:nvSpPr>
-        <p:spPr>
-          <a:xfrm>
-            <a:off x="1760175" y="3520300"/>
-            <a:ext cx="6222600" cy="507900"/>
-          </a:xfrm>
-          <a:prstGeom prst="rect">
-            <a:avLst/>
-          </a:prstGeom>
-          <a:noFill/>
-          <a:ln>
-            <a:noFill/>
-          </a:ln>
-        </p:spPr>
-        <p:txBody>
-          <a:bodyPr spcFirstLastPara="1" wrap="square" lIns="91425" tIns="91425" rIns="91425" bIns="91425" anchor="t" anchorCtr="0">
-            <a:spAutoFit/>
-          </a:bodyPr>
-          <a:lstStyle/>
           <a:p>
-            <a:pPr marL="0" lvl="0" indent="0" algn="l" rtl="0">
-              <a:spcBef>
-                <a:spcPts val="0"/>
-              </a:spcBef>
-              <a:spcAft>
-                <a:spcPts val="0"/>
-              </a:spcAft>
-              <a:buNone/>
+            <a:pPr marL="101600" lvl="0" rtl="0">
+              <a:lnSpc>
+                <a:spcPct val="90000"/>
+              </a:lnSpc>
+              <a:spcBef>
+                <a:spcPts val="0"/>
+              </a:spcBef>
+              <a:spcAft>
+                <a:spcPts val="0"/>
+              </a:spcAft>
+            </a:pPr>
+            <a:endParaRPr lang="pl-PL" sz="2000" dirty="0">
+              <a:solidFill>
+                <a:srgbClr val="313A59"/>
+              </a:solidFill>
+              <a:latin typeface="Arimo"/>
+              <a:ea typeface="Arimo"/>
+              <a:cs typeface="Arimo"/>
+              <a:sym typeface="Arimo"/>
+            </a:endParaRPr>
+          </a:p>
+          <a:p>
+            <a:pPr marL="101600" lvl="0" rtl="0">
+              <a:lnSpc>
+                <a:spcPct val="90000"/>
+              </a:lnSpc>
+              <a:spcBef>
+                <a:spcPts val="0"/>
+              </a:spcBef>
+              <a:spcAft>
+                <a:spcPts val="0"/>
+              </a:spcAft>
+            </a:pPr>
+            <a:endParaRPr lang="pl-PL" sz="2000" dirty="0">
+              <a:solidFill>
+                <a:srgbClr val="313A59"/>
+              </a:solidFill>
+              <a:latin typeface="Arimo"/>
+              <a:ea typeface="Arimo"/>
+              <a:cs typeface="Arimo"/>
+              <a:sym typeface="Arimo"/>
+            </a:endParaRPr>
+          </a:p>
+          <a:p>
+            <a:pPr marL="101600" lvl="0" rtl="0">
+              <a:lnSpc>
+                <a:spcPct val="90000"/>
+              </a:lnSpc>
+              <a:spcBef>
+                <a:spcPts val="0"/>
+              </a:spcBef>
+              <a:spcAft>
+                <a:spcPts val="0"/>
+              </a:spcAft>
+            </a:pPr>
+            <a:endParaRPr lang="pl-PL" sz="2000" dirty="0">
+              <a:solidFill>
+                <a:srgbClr val="313A59"/>
+              </a:solidFill>
+              <a:latin typeface="Arimo"/>
+              <a:ea typeface="Arimo"/>
+              <a:cs typeface="Arimo"/>
+              <a:sym typeface="Arimo"/>
+            </a:endParaRPr>
+          </a:p>
+          <a:p>
+            <a:pPr marL="444500" lvl="0" indent="-342900" rtl="0">
+              <a:lnSpc>
+                <a:spcPct val="90000"/>
+              </a:lnSpc>
+              <a:spcBef>
+                <a:spcPts val="0"/>
+              </a:spcBef>
+              <a:spcAft>
+                <a:spcPts val="0"/>
+              </a:spcAft>
+              <a:buFont typeface="Arial" panose="020B0604020202020204" pitchFamily="34" charset="0"/>
+              <a:buChar char="•"/>
+            </a:pPr>
+            <a:endParaRPr lang="pl-PL" sz="2000" dirty="0">
+              <a:solidFill>
+                <a:srgbClr val="313A59"/>
+              </a:solidFill>
+              <a:latin typeface="Arimo"/>
+              <a:ea typeface="Arimo"/>
+              <a:cs typeface="Arimo"/>
+              <a:sym typeface="Arimo"/>
+            </a:endParaRPr>
+          </a:p>
+          <a:p>
+            <a:pPr marL="444500" lvl="0" indent="-342900" rtl="0">
+              <a:lnSpc>
+                <a:spcPct val="90000"/>
+              </a:lnSpc>
+              <a:spcBef>
+                <a:spcPts val="0"/>
+              </a:spcBef>
+              <a:spcAft>
+                <a:spcPts val="0"/>
+              </a:spcAft>
+              <a:buFont typeface="Arial" panose="020B0604020202020204" pitchFamily="34" charset="0"/>
+              <a:buChar char="•"/>
             </a:pPr>
             <a:r>
-              <a:rPr lang="pl-PL" sz="2100">
-                <a:latin typeface="Calibri"/>
-                <a:ea typeface="Calibri"/>
-                <a:cs typeface="Calibri"/>
-                <a:sym typeface="Calibri"/>
+              <a:rPr lang="en-US" sz="2000" dirty="0">
+                <a:solidFill>
+                  <a:srgbClr val="313A59"/>
+                </a:solidFill>
+                <a:latin typeface="Arimo"/>
+                <a:ea typeface="Arimo"/>
+                <a:cs typeface="Arimo"/>
+                <a:sym typeface="Arimo"/>
               </a:rPr>
-              <a:t>Dariusz Perliński</a:t>
+              <a:t>Platform: </a:t>
             </a:r>
-            <a:endParaRPr sz="2100">
-              <a:latin typeface="Calibri"/>
-              <a:ea typeface="Calibri"/>
-              <a:cs typeface="Calibri"/>
-              <a:sym typeface="Calibri"/>
+            <a:r>
+              <a:rPr lang="en-US" sz="2000" dirty="0" err="1">
+                <a:solidFill>
+                  <a:srgbClr val="313A59"/>
+                </a:solidFill>
+                <a:latin typeface="Arimo"/>
+                <a:ea typeface="Arimo"/>
+                <a:cs typeface="Arimo"/>
+                <a:sym typeface="Arimo"/>
+              </a:rPr>
+              <a:t>Zenodo</a:t>
+            </a:r>
+            <a:endParaRPr lang="en-US" sz="2000" dirty="0">
+              <a:solidFill>
+                <a:srgbClr val="313A59"/>
+              </a:solidFill>
+              <a:latin typeface="Arimo"/>
+              <a:ea typeface="Arimo"/>
+              <a:cs typeface="Arimo"/>
+              <a:sym typeface="Arimo"/>
             </a:endParaRPr>
+          </a:p>
+          <a:p>
+            <a:pPr marL="444500" lvl="0" indent="-342900" rtl="0">
+              <a:lnSpc>
+                <a:spcPct val="90000"/>
+              </a:lnSpc>
+              <a:spcBef>
+                <a:spcPts val="0"/>
+              </a:spcBef>
+              <a:spcAft>
+                <a:spcPts val="0"/>
+              </a:spcAft>
+              <a:buFont typeface="Arial" panose="020B0604020202020204" pitchFamily="34" charset="0"/>
+              <a:buChar char="•"/>
+            </a:pPr>
+            <a:r>
+              <a:rPr lang="en-US" sz="2000" dirty="0">
+                <a:solidFill>
+                  <a:srgbClr val="313A59"/>
+                </a:solidFill>
+                <a:latin typeface="Arimo"/>
+                <a:ea typeface="Arimo"/>
+                <a:cs typeface="Arimo"/>
+                <a:sym typeface="Arimo"/>
+              </a:rPr>
+              <a:t>Accessibility: Open Access, freely available to all</a:t>
+            </a:r>
+          </a:p>
+          <a:p>
+            <a:pPr marL="444500" lvl="0" indent="-342900" rtl="0">
+              <a:lnSpc>
+                <a:spcPct val="90000"/>
+              </a:lnSpc>
+              <a:spcBef>
+                <a:spcPts val="0"/>
+              </a:spcBef>
+              <a:spcAft>
+                <a:spcPts val="0"/>
+              </a:spcAft>
+              <a:buFont typeface="Arial" panose="020B0604020202020204" pitchFamily="34" charset="0"/>
+              <a:buChar char="•"/>
+            </a:pPr>
+            <a:r>
+              <a:rPr lang="en-US" sz="2000" dirty="0">
+                <a:solidFill>
+                  <a:srgbClr val="313A59"/>
+                </a:solidFill>
+                <a:latin typeface="Arimo"/>
+                <a:ea typeface="Arimo"/>
+                <a:cs typeface="Arimo"/>
+                <a:sym typeface="Arimo"/>
+              </a:rPr>
+              <a:t>License: CC0 - No rights reserved, free for various uses</a:t>
+            </a:r>
+          </a:p>
+          <a:p>
+            <a:pPr marL="444500" lvl="0" indent="-342900" rtl="0">
+              <a:lnSpc>
+                <a:spcPct val="90000"/>
+              </a:lnSpc>
+              <a:spcBef>
+                <a:spcPts val="0"/>
+              </a:spcBef>
+              <a:spcAft>
+                <a:spcPts val="0"/>
+              </a:spcAft>
+              <a:buFont typeface="Arial" panose="020B0604020202020204" pitchFamily="34" charset="0"/>
+              <a:buChar char="•"/>
+            </a:pPr>
+            <a:r>
+              <a:rPr lang="en-US" sz="2000" dirty="0">
+                <a:solidFill>
+                  <a:srgbClr val="313A59"/>
+                </a:solidFill>
+                <a:latin typeface="Arimo"/>
+                <a:ea typeface="Arimo"/>
+                <a:cs typeface="Arimo"/>
+                <a:sym typeface="Arimo"/>
+              </a:rPr>
+              <a:t>Data Format: MARC21 with enriched VIAF identifiers</a:t>
+            </a:r>
+          </a:p>
+          <a:p>
+            <a:pPr marL="444500" lvl="0" indent="-342900" rtl="0">
+              <a:lnSpc>
+                <a:spcPct val="90000"/>
+              </a:lnSpc>
+              <a:spcBef>
+                <a:spcPts val="0"/>
+              </a:spcBef>
+              <a:spcAft>
+                <a:spcPts val="0"/>
+              </a:spcAft>
+              <a:buFont typeface="Arial" panose="020B0604020202020204" pitchFamily="34" charset="0"/>
+              <a:buChar char="•"/>
+            </a:pPr>
+            <a:r>
+              <a:rPr lang="en-US" sz="2000" dirty="0">
+                <a:solidFill>
+                  <a:srgbClr val="313A59"/>
+                </a:solidFill>
+                <a:latin typeface="Arimo"/>
+                <a:ea typeface="Arimo"/>
+                <a:cs typeface="Arimo"/>
+                <a:sym typeface="Arimo"/>
+              </a:rPr>
+              <a:t>Ideal for: Researchers, Institutions, Data Analysts, Librarians</a:t>
+            </a:r>
           </a:p>
         </p:txBody>
       </p:sp>
